--- a/docs/ApresentacaoCustomVision.pptx
+++ b/docs/ApresentacaoCustomVision.pptx
@@ -5,35 +5,37 @@
     <p:sldMasterId id="2147483658" r:id="rId1"/>
   </p:sldMasterIdLst>
   <p:notesMasterIdLst>
-    <p:notesMasterId r:id="rId6"/>
+    <p:notesMasterId r:id="rId8"/>
   </p:notesMasterIdLst>
   <p:sldIdLst>
     <p:sldId id="256" r:id="rId2"/>
     <p:sldId id="258" r:id="rId3"/>
     <p:sldId id="261" r:id="rId4"/>
-    <p:sldId id="264" r:id="rId5"/>
+    <p:sldId id="265" r:id="rId5"/>
+    <p:sldId id="266" r:id="rId6"/>
+    <p:sldId id="264" r:id="rId7"/>
   </p:sldIdLst>
   <p:sldSz cx="9144000" cy="5143500" type="screen16x9"/>
   <p:notesSz cx="6858000" cy="9144000"/>
   <p:embeddedFontLst>
     <p:embeddedFont>
       <p:font typeface="Calibri" panose="020F0502020204030204" pitchFamily="34" charset="0"/>
-      <p:regular r:id="rId7"/>
-      <p:bold r:id="rId8"/>
-      <p:italic r:id="rId9"/>
-      <p:boldItalic r:id="rId10"/>
+      <p:regular r:id="rId9"/>
+      <p:bold r:id="rId10"/>
+      <p:italic r:id="rId11"/>
+      <p:boldItalic r:id="rId12"/>
     </p:embeddedFont>
     <p:embeddedFont>
       <p:font typeface="Calibri Light" panose="020F0302020204030204" pitchFamily="34" charset="0"/>
-      <p:regular r:id="rId11"/>
-      <p:italic r:id="rId12"/>
+      <p:regular r:id="rId13"/>
+      <p:italic r:id="rId14"/>
     </p:embeddedFont>
     <p:embeddedFont>
       <p:font typeface="Muli" panose="020B0604020202020204" charset="0"/>
-      <p:regular r:id="rId13"/>
-      <p:bold r:id="rId14"/>
-      <p:italic r:id="rId15"/>
-      <p:boldItalic r:id="rId16"/>
+      <p:regular r:id="rId15"/>
+      <p:bold r:id="rId16"/>
+      <p:italic r:id="rId17"/>
+      <p:boldItalic r:id="rId18"/>
     </p:embeddedFont>
   </p:embeddedFontLst>
   <p:defaultTextStyle>
@@ -890,6 +892,224 @@
 </p:notes>
 </file>
 
+<file path=ppt/notesSlides/notesSlide4.xml><?xml version="1.0" encoding="utf-8"?>
+<p:notes xmlns:a="http://schemas.openxmlformats.org/drawingml/2006/main" xmlns:r="http://schemas.openxmlformats.org/officeDocument/2006/relationships" xmlns:p="http://schemas.openxmlformats.org/presentationml/2006/main" showMasterSp="0" showMasterPhAnim="0">
+  <p:cSld>
+    <p:spTree>
+      <p:nvGrpSpPr>
+        <p:cNvPr id="1" name="Shape 368"/>
+        <p:cNvGrpSpPr/>
+        <p:nvPr/>
+      </p:nvGrpSpPr>
+      <p:grpSpPr>
+        <a:xfrm>
+          <a:off x="0" y="0"/>
+          <a:ext cx="0" cy="0"/>
+          <a:chOff x="0" y="0"/>
+          <a:chExt cx="0" cy="0"/>
+        </a:xfrm>
+      </p:grpSpPr>
+      <p:sp>
+        <p:nvSpPr>
+          <p:cNvPr id="369" name="Google Shape;369;p:notes"/>
+          <p:cNvSpPr>
+            <a:spLocks noGrp="1" noRot="1" noChangeAspect="1"/>
+          </p:cNvSpPr>
+          <p:nvPr>
+            <p:ph type="sldImg" idx="2"/>
+          </p:nvPr>
+        </p:nvSpPr>
+        <p:spPr>
+          <a:xfrm>
+            <a:off x="381000" y="685800"/>
+            <a:ext cx="6096000" cy="3429000"/>
+          </a:xfrm>
+          <a:custGeom>
+            <a:avLst/>
+            <a:gdLst/>
+            <a:ahLst/>
+            <a:cxnLst/>
+            <a:rect l="l" t="t" r="r" b="b"/>
+            <a:pathLst>
+              <a:path w="120000" h="120000" extrusionOk="0">
+                <a:moveTo>
+                  <a:pt x="0" y="0"/>
+                </a:moveTo>
+                <a:lnTo>
+                  <a:pt x="120000" y="0"/>
+                </a:lnTo>
+                <a:lnTo>
+                  <a:pt x="120000" y="120000"/>
+                </a:lnTo>
+                <a:lnTo>
+                  <a:pt x="0" y="120000"/>
+                </a:lnTo>
+                <a:close/>
+              </a:path>
+            </a:pathLst>
+          </a:custGeom>
+        </p:spPr>
+      </p:sp>
+      <p:sp>
+        <p:nvSpPr>
+          <p:cNvPr id="370" name="Google Shape;370;p:notes"/>
+          <p:cNvSpPr txBox="1">
+            <a:spLocks noGrp="1"/>
+          </p:cNvSpPr>
+          <p:nvPr>
+            <p:ph type="body" idx="1"/>
+          </p:nvPr>
+        </p:nvSpPr>
+        <p:spPr>
+          <a:xfrm>
+            <a:off x="685800" y="4343400"/>
+            <a:ext cx="5486400" cy="4114800"/>
+          </a:xfrm>
+          <a:prstGeom prst="rect">
+            <a:avLst/>
+          </a:prstGeom>
+        </p:spPr>
+        <p:txBody>
+          <a:bodyPr spcFirstLastPara="1" wrap="square" lIns="91425" tIns="91425" rIns="91425" bIns="91425" anchor="t" anchorCtr="0">
+            <a:noAutofit/>
+          </a:bodyPr>
+          <a:lstStyle/>
+          <a:p>
+            <a:pPr marL="0" lvl="0" indent="0" algn="l" rtl="0">
+              <a:spcBef>
+                <a:spcPts val="0"/>
+              </a:spcBef>
+              <a:spcAft>
+                <a:spcPts val="0"/>
+              </a:spcAft>
+              <a:buNone/>
+            </a:pPr>
+            <a:endParaRPr/>
+          </a:p>
+        </p:txBody>
+      </p:sp>
+    </p:spTree>
+    <p:extLst>
+      <p:ext uri="{BB962C8B-B14F-4D97-AF65-F5344CB8AC3E}">
+        <p14:creationId xmlns:p14="http://schemas.microsoft.com/office/powerpoint/2010/main" val="263791352"/>
+      </p:ext>
+    </p:extLst>
+  </p:cSld>
+  <p:clrMapOvr>
+    <a:masterClrMapping/>
+  </p:clrMapOvr>
+</p:notes>
+</file>
+
+<file path=ppt/notesSlides/notesSlide5.xml><?xml version="1.0" encoding="utf-8"?>
+<p:notes xmlns:a="http://schemas.openxmlformats.org/drawingml/2006/main" xmlns:r="http://schemas.openxmlformats.org/officeDocument/2006/relationships" xmlns:p="http://schemas.openxmlformats.org/presentationml/2006/main" showMasterSp="0" showMasterPhAnim="0">
+  <p:cSld>
+    <p:spTree>
+      <p:nvGrpSpPr>
+        <p:cNvPr id="1" name="Shape 368"/>
+        <p:cNvGrpSpPr/>
+        <p:nvPr/>
+      </p:nvGrpSpPr>
+      <p:grpSpPr>
+        <a:xfrm>
+          <a:off x="0" y="0"/>
+          <a:ext cx="0" cy="0"/>
+          <a:chOff x="0" y="0"/>
+          <a:chExt cx="0" cy="0"/>
+        </a:xfrm>
+      </p:grpSpPr>
+      <p:sp>
+        <p:nvSpPr>
+          <p:cNvPr id="369" name="Google Shape;369;p:notes"/>
+          <p:cNvSpPr>
+            <a:spLocks noGrp="1" noRot="1" noChangeAspect="1"/>
+          </p:cNvSpPr>
+          <p:nvPr>
+            <p:ph type="sldImg" idx="2"/>
+          </p:nvPr>
+        </p:nvSpPr>
+        <p:spPr>
+          <a:xfrm>
+            <a:off x="381000" y="685800"/>
+            <a:ext cx="6096000" cy="3429000"/>
+          </a:xfrm>
+          <a:custGeom>
+            <a:avLst/>
+            <a:gdLst/>
+            <a:ahLst/>
+            <a:cxnLst/>
+            <a:rect l="l" t="t" r="r" b="b"/>
+            <a:pathLst>
+              <a:path w="120000" h="120000" extrusionOk="0">
+                <a:moveTo>
+                  <a:pt x="0" y="0"/>
+                </a:moveTo>
+                <a:lnTo>
+                  <a:pt x="120000" y="0"/>
+                </a:lnTo>
+                <a:lnTo>
+                  <a:pt x="120000" y="120000"/>
+                </a:lnTo>
+                <a:lnTo>
+                  <a:pt x="0" y="120000"/>
+                </a:lnTo>
+                <a:close/>
+              </a:path>
+            </a:pathLst>
+          </a:custGeom>
+        </p:spPr>
+      </p:sp>
+      <p:sp>
+        <p:nvSpPr>
+          <p:cNvPr id="370" name="Google Shape;370;p:notes"/>
+          <p:cNvSpPr txBox="1">
+            <a:spLocks noGrp="1"/>
+          </p:cNvSpPr>
+          <p:nvPr>
+            <p:ph type="body" idx="1"/>
+          </p:nvPr>
+        </p:nvSpPr>
+        <p:spPr>
+          <a:xfrm>
+            <a:off x="685800" y="4343400"/>
+            <a:ext cx="5486400" cy="4114800"/>
+          </a:xfrm>
+          <a:prstGeom prst="rect">
+            <a:avLst/>
+          </a:prstGeom>
+        </p:spPr>
+        <p:txBody>
+          <a:bodyPr spcFirstLastPara="1" wrap="square" lIns="91425" tIns="91425" rIns="91425" bIns="91425" anchor="t" anchorCtr="0">
+            <a:noAutofit/>
+          </a:bodyPr>
+          <a:lstStyle/>
+          <a:p>
+            <a:pPr marL="0" lvl="0" indent="0" algn="l" rtl="0">
+              <a:spcBef>
+                <a:spcPts val="0"/>
+              </a:spcBef>
+              <a:spcAft>
+                <a:spcPts val="0"/>
+              </a:spcAft>
+              <a:buNone/>
+            </a:pPr>
+            <a:endParaRPr/>
+          </a:p>
+        </p:txBody>
+      </p:sp>
+    </p:spTree>
+    <p:extLst>
+      <p:ext uri="{BB962C8B-B14F-4D97-AF65-F5344CB8AC3E}">
+        <p14:creationId xmlns:p14="http://schemas.microsoft.com/office/powerpoint/2010/main" val="2374623818"/>
+      </p:ext>
+    </p:extLst>
+  </p:cSld>
+  <p:clrMapOvr>
+    <a:masterClrMapping/>
+  </p:clrMapOvr>
+</p:notes>
+</file>
+
 <file path=ppt/slideLayouts/slideLayout1.xml><?xml version="1.0" encoding="utf-8"?>
 <p:sldLayout xmlns:a="http://schemas.openxmlformats.org/drawingml/2006/main" xmlns:r="http://schemas.openxmlformats.org/officeDocument/2006/relationships" xmlns:p="http://schemas.openxmlformats.org/presentationml/2006/main" showMasterSp="0" type="title" preserve="1">
   <p:cSld name="Slide de Título">
@@ -1116,7 +1336,7 @@
           <a:p>
             <a:fld id="{4BDF68E2-58F2-4D09-BE8B-E3BD06533059}" type="datetimeFigureOut">
               <a:rPr lang="en-US" dirty="0"/>
-              <a:t>5/23/2019</a:t>
+              <a:t>5/24/2019</a:t>
             </a:fld>
             <a:endParaRPr lang="en-US" dirty="0"/>
           </a:p>
@@ -1334,7 +1554,7 @@
           <a:p>
             <a:fld id="{2E2D6473-DF6D-4702-B328-E0DD40540A4E}" type="datetimeFigureOut">
               <a:rPr lang="en-US" dirty="0"/>
-              <a:t>5/23/2019</a:t>
+              <a:t>5/24/2019</a:t>
             </a:fld>
             <a:endParaRPr lang="en-US" dirty="0"/>
           </a:p>
@@ -1600,7 +1820,7 @@
           <a:p>
             <a:fld id="{E26F7E3A-B166-407D-9866-32884E7D5B37}" type="datetimeFigureOut">
               <a:rPr lang="en-US" dirty="0"/>
-              <a:t>5/23/2019</a:t>
+              <a:t>5/24/2019</a:t>
             </a:fld>
             <a:endParaRPr lang="en-US" dirty="0"/>
           </a:p>
@@ -2642,7 +2862,7 @@
           <a:p>
             <a:fld id="{528FC5F6-F338-4AE4-BB23-26385BCFC423}" type="datetimeFigureOut">
               <a:rPr lang="en-US" dirty="0"/>
-              <a:t>5/23/2019</a:t>
+              <a:t>5/24/2019</a:t>
             </a:fld>
             <a:endParaRPr lang="en-US" dirty="0"/>
           </a:p>
@@ -2995,7 +3215,7 @@
           <a:p>
             <a:fld id="{20EBB0C4-6273-4C6E-B9BD-2EDC30F1CD52}" type="datetimeFigureOut">
               <a:rPr lang="en-US" dirty="0"/>
-              <a:t>5/23/2019</a:t>
+              <a:t>5/24/2019</a:t>
             </a:fld>
             <a:endParaRPr lang="en-US" dirty="0"/>
           </a:p>
@@ -3280,7 +3500,7 @@
           <a:p>
             <a:fld id="{19AB4D41-86C1-4908-B66A-0B50CEB3BF29}" type="datetimeFigureOut">
               <a:rPr lang="en-US" dirty="0"/>
-              <a:t>5/23/2019</a:t>
+              <a:t>5/24/2019</a:t>
             </a:fld>
             <a:endParaRPr lang="en-US" dirty="0"/>
           </a:p>
@@ -3669,7 +3889,7 @@
           <a:p>
             <a:fld id="{E6426E2C-56C1-4E0D-A793-0088A7FDD37E}" type="datetimeFigureOut">
               <a:rPr lang="en-US" dirty="0"/>
-              <a:t>5/23/2019</a:t>
+              <a:t>5/24/2019</a:t>
             </a:fld>
             <a:endParaRPr lang="en-US" dirty="0"/>
           </a:p>
@@ -3797,7 +4017,7 @@
           <a:p>
             <a:fld id="{C8C39B41-D8B5-4052-B551-9B5525EAA8B6}" type="datetimeFigureOut">
               <a:rPr lang="en-US" dirty="0"/>
-              <a:t>5/23/2019</a:t>
+              <a:t>5/24/2019</a:t>
             </a:fld>
             <a:endParaRPr lang="en-US" dirty="0"/>
           </a:p>
@@ -3978,7 +4198,7 @@
           <a:p>
             <a:fld id="{4D94136C-8742-45B2-AF27-D93DF72833A9}" type="datetimeFigureOut">
               <a:rPr lang="en-US" dirty="0"/>
-              <a:t>5/23/2019</a:t>
+              <a:t>5/24/2019</a:t>
             </a:fld>
             <a:endParaRPr lang="en-US" dirty="0"/>
           </a:p>
@@ -4342,7 +4562,7 @@
           <a:p>
             <a:fld id="{32ABBEA6-7C60-4B02-AE87-00D78D8422AF}" type="datetimeFigureOut">
               <a:rPr lang="en-US" dirty="0"/>
-              <a:t>5/23/2019</a:t>
+              <a:t>5/24/2019</a:t>
             </a:fld>
             <a:endParaRPr lang="en-US" dirty="0"/>
           </a:p>
@@ -4734,7 +4954,7 @@
           <a:p>
             <a:fld id="{C9CAD897-D46E-4AD2-BD9B-49DD3E640873}" type="datetimeFigureOut">
               <a:rPr lang="en-US" dirty="0"/>
-              <a:t>5/23/2019</a:t>
+              <a:t>5/24/2019</a:t>
             </a:fld>
             <a:endParaRPr lang="en-US" dirty="0"/>
           </a:p>
@@ -5031,7 +5251,7 @@
           <a:p>
             <a:fld id="{98624D31-43A5-475A-80CF-332C9F6DCF35}" type="datetimeFigureOut">
               <a:rPr lang="en-US" dirty="0"/>
-              <a:t>5/23/2019</a:t>
+              <a:t>5/24/2019</a:t>
             </a:fld>
             <a:endParaRPr lang="en-US" dirty="0"/>
           </a:p>
@@ -6363,6 +6583,81 @@
           <a:chExt cx="0" cy="0"/>
         </a:xfrm>
       </p:grpSpPr>
+      <p:sp>
+        <p:nvSpPr>
+          <p:cNvPr id="2" name="CaixaDeTexto 1">
+            <a:extLst>
+              <a:ext uri="{FF2B5EF4-FFF2-40B4-BE49-F238E27FC236}">
+                <a16:creationId xmlns:a16="http://schemas.microsoft.com/office/drawing/2014/main" id="{399EB616-A99A-4BA9-82E6-D2F7F8E1F609}"/>
+              </a:ext>
+            </a:extLst>
+          </p:cNvPr>
+          <p:cNvSpPr txBox="1"/>
+          <p:nvPr/>
+        </p:nvSpPr>
+        <p:spPr>
+          <a:xfrm>
+            <a:off x="0" y="536713"/>
+            <a:ext cx="9144000" cy="830997"/>
+          </a:xfrm>
+          <a:prstGeom prst="rect">
+            <a:avLst/>
+          </a:prstGeom>
+          <a:noFill/>
+        </p:spPr>
+        <p:txBody>
+          <a:bodyPr wrap="square" rtlCol="0">
+            <a:spAutoFit/>
+          </a:bodyPr>
+          <a:lstStyle/>
+          <a:p>
+            <a:pPr algn="ctr"/>
+            <a:r>
+              <a:rPr lang="en-US" sz="4800" dirty="0" err="1"/>
+              <a:t>Computação</a:t>
+            </a:r>
+            <a:r>
+              <a:rPr lang="en-US" sz="4800" dirty="0"/>
+              <a:t> </a:t>
+            </a:r>
+            <a:r>
+              <a:rPr lang="en-US" sz="4800" dirty="0" err="1"/>
+              <a:t>Cognitiva</a:t>
+            </a:r>
+            <a:endParaRPr lang="pt-BR" sz="4800" dirty="0"/>
+          </a:p>
+        </p:txBody>
+      </p:sp>
+      <p:pic>
+        <p:nvPicPr>
+          <p:cNvPr id="4" name="Imagem 3">
+            <a:extLst>
+              <a:ext uri="{FF2B5EF4-FFF2-40B4-BE49-F238E27FC236}">
+                <a16:creationId xmlns:a16="http://schemas.microsoft.com/office/drawing/2014/main" id="{04CD5077-F9A8-4B7C-BB5E-82F3F275B179}"/>
+              </a:ext>
+            </a:extLst>
+          </p:cNvPr>
+          <p:cNvPicPr>
+            <a:picLocks noChangeAspect="1"/>
+          </p:cNvPicPr>
+          <p:nvPr/>
+        </p:nvPicPr>
+        <p:blipFill>
+          <a:blip r:embed="rId3"/>
+          <a:stretch>
+            <a:fillRect/>
+          </a:stretch>
+        </p:blipFill>
+        <p:spPr>
+          <a:xfrm>
+            <a:off x="1580321" y="1458565"/>
+            <a:ext cx="5983357" cy="2991679"/>
+          </a:xfrm>
+          <a:prstGeom prst="rect">
+            <a:avLst/>
+          </a:prstGeom>
+        </p:spPr>
+      </p:pic>
     </p:spTree>
   </p:cSld>
   <p:clrMapOvr>
@@ -6372,6 +6667,277 @@
 </file>
 
 <file path=ppt/slides/slide4.xml><?xml version="1.0" encoding="utf-8"?>
+<p:sld xmlns:a="http://schemas.openxmlformats.org/drawingml/2006/main" xmlns:r="http://schemas.openxmlformats.org/officeDocument/2006/relationships" xmlns:p="http://schemas.openxmlformats.org/presentationml/2006/main">
+  <p:cSld>
+    <p:spTree>
+      <p:nvGrpSpPr>
+        <p:cNvPr id="1" name="Shape 371"/>
+        <p:cNvGrpSpPr/>
+        <p:nvPr/>
+      </p:nvGrpSpPr>
+      <p:grpSpPr>
+        <a:xfrm>
+          <a:off x="0" y="0"/>
+          <a:ext cx="0" cy="0"/>
+          <a:chOff x="0" y="0"/>
+          <a:chExt cx="0" cy="0"/>
+        </a:xfrm>
+      </p:grpSpPr>
+      <p:sp>
+        <p:nvSpPr>
+          <p:cNvPr id="2" name="CaixaDeTexto 1">
+            <a:extLst>
+              <a:ext uri="{FF2B5EF4-FFF2-40B4-BE49-F238E27FC236}">
+                <a16:creationId xmlns:a16="http://schemas.microsoft.com/office/drawing/2014/main" id="{399EB616-A99A-4BA9-82E6-D2F7F8E1F609}"/>
+              </a:ext>
+            </a:extLst>
+          </p:cNvPr>
+          <p:cNvSpPr txBox="1"/>
+          <p:nvPr/>
+        </p:nvSpPr>
+        <p:spPr>
+          <a:xfrm>
+            <a:off x="0" y="536713"/>
+            <a:ext cx="9144000" cy="830997"/>
+          </a:xfrm>
+          <a:prstGeom prst="rect">
+            <a:avLst/>
+          </a:prstGeom>
+          <a:noFill/>
+        </p:spPr>
+        <p:txBody>
+          <a:bodyPr wrap="square" rtlCol="0">
+            <a:spAutoFit/>
+          </a:bodyPr>
+          <a:lstStyle/>
+          <a:p>
+            <a:pPr algn="ctr"/>
+            <a:r>
+              <a:rPr lang="en-US" sz="4800" dirty="0" err="1"/>
+              <a:t>Serviços</a:t>
+            </a:r>
+            <a:r>
+              <a:rPr lang="en-US" sz="4800" dirty="0"/>
+              <a:t> </a:t>
+            </a:r>
+            <a:r>
+              <a:rPr lang="en-US" sz="4800" dirty="0" err="1"/>
+              <a:t>Cognitivos</a:t>
+            </a:r>
+            <a:endParaRPr lang="pt-BR" sz="4800" dirty="0"/>
+          </a:p>
+        </p:txBody>
+      </p:sp>
+      <p:sp>
+        <p:nvSpPr>
+          <p:cNvPr id="3" name="CaixaDeTexto 2">
+            <a:extLst>
+              <a:ext uri="{FF2B5EF4-FFF2-40B4-BE49-F238E27FC236}">
+                <a16:creationId xmlns:a16="http://schemas.microsoft.com/office/drawing/2014/main" id="{EA9ADD7C-3EF8-44CB-83CE-555ABF523AAE}"/>
+              </a:ext>
+            </a:extLst>
+          </p:cNvPr>
+          <p:cNvSpPr txBox="1"/>
+          <p:nvPr/>
+        </p:nvSpPr>
+        <p:spPr>
+          <a:xfrm>
+            <a:off x="3180522" y="1669775"/>
+            <a:ext cx="2782955" cy="1477328"/>
+          </a:xfrm>
+          <a:prstGeom prst="rect">
+            <a:avLst/>
+          </a:prstGeom>
+          <a:noFill/>
+        </p:spPr>
+        <p:txBody>
+          <a:bodyPr wrap="square" rtlCol="0">
+            <a:spAutoFit/>
+          </a:bodyPr>
+          <a:lstStyle/>
+          <a:p>
+            <a:pPr marL="285750" indent="-285750">
+              <a:buClr>
+                <a:schemeClr val="accent2"/>
+              </a:buClr>
+              <a:buFont typeface="Wingdings" panose="05000000000000000000" pitchFamily="2" charset="2"/>
+              <a:buChar char="Ø"/>
+            </a:pPr>
+            <a:r>
+              <a:rPr lang="en-US" dirty="0" err="1"/>
+              <a:t>Decisão</a:t>
+            </a:r>
+            <a:endParaRPr lang="en-US" dirty="0"/>
+          </a:p>
+          <a:p>
+            <a:pPr marL="285750" indent="-285750">
+              <a:buClr>
+                <a:schemeClr val="accent2"/>
+              </a:buClr>
+              <a:buFont typeface="Wingdings" panose="05000000000000000000" pitchFamily="2" charset="2"/>
+              <a:buChar char="Ø"/>
+            </a:pPr>
+            <a:r>
+              <a:rPr lang="en-US" dirty="0" err="1"/>
+              <a:t>Pesquisa</a:t>
+            </a:r>
+            <a:endParaRPr lang="en-US" dirty="0"/>
+          </a:p>
+          <a:p>
+            <a:pPr marL="285750" indent="-285750">
+              <a:buClr>
+                <a:schemeClr val="accent2"/>
+              </a:buClr>
+              <a:buFont typeface="Wingdings" panose="05000000000000000000" pitchFamily="2" charset="2"/>
+              <a:buChar char="Ø"/>
+            </a:pPr>
+            <a:r>
+              <a:rPr lang="en-US" dirty="0" err="1"/>
+              <a:t>Idioma</a:t>
+            </a:r>
+            <a:endParaRPr lang="en-US" dirty="0"/>
+          </a:p>
+          <a:p>
+            <a:pPr marL="285750" indent="-285750">
+              <a:buClr>
+                <a:schemeClr val="accent2"/>
+              </a:buClr>
+              <a:buFont typeface="Wingdings" panose="05000000000000000000" pitchFamily="2" charset="2"/>
+              <a:buChar char="Ø"/>
+            </a:pPr>
+            <a:r>
+              <a:rPr lang="en-US" dirty="0" err="1"/>
+              <a:t>Fala</a:t>
+            </a:r>
+            <a:endParaRPr lang="en-US" dirty="0"/>
+          </a:p>
+          <a:p>
+            <a:pPr marL="285750" indent="-285750">
+              <a:buClr>
+                <a:schemeClr val="accent2"/>
+              </a:buClr>
+              <a:buFont typeface="Wingdings" panose="05000000000000000000" pitchFamily="2" charset="2"/>
+              <a:buChar char="Ø"/>
+            </a:pPr>
+            <a:r>
+              <a:rPr lang="en-US" dirty="0" err="1"/>
+              <a:t>Visão</a:t>
+            </a:r>
+            <a:endParaRPr lang="en-US" dirty="0"/>
+          </a:p>
+        </p:txBody>
+      </p:sp>
+    </p:spTree>
+    <p:extLst>
+      <p:ext uri="{BB962C8B-B14F-4D97-AF65-F5344CB8AC3E}">
+        <p14:creationId xmlns:p14="http://schemas.microsoft.com/office/powerpoint/2010/main" val="573312924"/>
+      </p:ext>
+    </p:extLst>
+  </p:cSld>
+  <p:clrMapOvr>
+    <a:masterClrMapping/>
+  </p:clrMapOvr>
+</p:sld>
+</file>
+
+<file path=ppt/slides/slide5.xml><?xml version="1.0" encoding="utf-8"?>
+<p:sld xmlns:a="http://schemas.openxmlformats.org/drawingml/2006/main" xmlns:r="http://schemas.openxmlformats.org/officeDocument/2006/relationships" xmlns:p="http://schemas.openxmlformats.org/presentationml/2006/main">
+  <p:cSld>
+    <p:spTree>
+      <p:nvGrpSpPr>
+        <p:cNvPr id="1" name="Shape 371"/>
+        <p:cNvGrpSpPr/>
+        <p:nvPr/>
+      </p:nvGrpSpPr>
+      <p:grpSpPr>
+        <a:xfrm>
+          <a:off x="0" y="0"/>
+          <a:ext cx="0" cy="0"/>
+          <a:chOff x="0" y="0"/>
+          <a:chExt cx="0" cy="0"/>
+        </a:xfrm>
+      </p:grpSpPr>
+      <p:sp>
+        <p:nvSpPr>
+          <p:cNvPr id="2" name="CaixaDeTexto 1">
+            <a:extLst>
+              <a:ext uri="{FF2B5EF4-FFF2-40B4-BE49-F238E27FC236}">
+                <a16:creationId xmlns:a16="http://schemas.microsoft.com/office/drawing/2014/main" id="{399EB616-A99A-4BA9-82E6-D2F7F8E1F609}"/>
+              </a:ext>
+            </a:extLst>
+          </p:cNvPr>
+          <p:cNvSpPr txBox="1"/>
+          <p:nvPr/>
+        </p:nvSpPr>
+        <p:spPr>
+          <a:xfrm>
+            <a:off x="0" y="536713"/>
+            <a:ext cx="9144000" cy="830997"/>
+          </a:xfrm>
+          <a:prstGeom prst="rect">
+            <a:avLst/>
+          </a:prstGeom>
+          <a:noFill/>
+        </p:spPr>
+        <p:txBody>
+          <a:bodyPr wrap="square" rtlCol="0">
+            <a:spAutoFit/>
+          </a:bodyPr>
+          <a:lstStyle/>
+          <a:p>
+            <a:pPr algn="ctr"/>
+            <a:r>
+              <a:rPr lang="en-US" sz="4800" dirty="0"/>
+              <a:t>Azure Custom Vision</a:t>
+            </a:r>
+            <a:endParaRPr lang="pt-BR" sz="4800" dirty="0"/>
+          </a:p>
+        </p:txBody>
+      </p:sp>
+      <p:pic>
+        <p:nvPicPr>
+          <p:cNvPr id="5" name="Imagem 4">
+            <a:extLst>
+              <a:ext uri="{FF2B5EF4-FFF2-40B4-BE49-F238E27FC236}">
+                <a16:creationId xmlns:a16="http://schemas.microsoft.com/office/drawing/2014/main" id="{0BA8BCAE-B8BA-4D75-9D1B-31E68D3396DB}"/>
+              </a:ext>
+            </a:extLst>
+          </p:cNvPr>
+          <p:cNvPicPr>
+            <a:picLocks noChangeAspect="1"/>
+          </p:cNvPicPr>
+          <p:nvPr/>
+        </p:nvPicPr>
+        <p:blipFill>
+          <a:blip r:embed="rId3"/>
+          <a:stretch>
+            <a:fillRect/>
+          </a:stretch>
+        </p:blipFill>
+        <p:spPr>
+          <a:xfrm>
+            <a:off x="983974" y="1514312"/>
+            <a:ext cx="7176052" cy="2820689"/>
+          </a:xfrm>
+          <a:prstGeom prst="rect">
+            <a:avLst/>
+          </a:prstGeom>
+        </p:spPr>
+      </p:pic>
+    </p:spTree>
+    <p:extLst>
+      <p:ext uri="{BB962C8B-B14F-4D97-AF65-F5344CB8AC3E}">
+        <p14:creationId xmlns:p14="http://schemas.microsoft.com/office/powerpoint/2010/main" val="954412548"/>
+      </p:ext>
+    </p:extLst>
+  </p:cSld>
+  <p:clrMapOvr>
+    <a:masterClrMapping/>
+  </p:clrMapOvr>
+</p:sld>
+</file>
+
+<file path=ppt/slides/slide6.xml><?xml version="1.0" encoding="utf-8"?>
 <p:sld xmlns:a="http://schemas.openxmlformats.org/drawingml/2006/main" xmlns:r="http://schemas.openxmlformats.org/officeDocument/2006/relationships" xmlns:p="http://schemas.openxmlformats.org/presentationml/2006/main">
   <p:cSld>
     <p:spTree>
@@ -6388,6 +6954,42 @@
           <a:chExt cx="0" cy="0"/>
         </a:xfrm>
       </p:grpSpPr>
+      <p:sp>
+        <p:nvSpPr>
+          <p:cNvPr id="2" name="CaixaDeTexto 1">
+            <a:extLst>
+              <a:ext uri="{FF2B5EF4-FFF2-40B4-BE49-F238E27FC236}">
+                <a16:creationId xmlns:a16="http://schemas.microsoft.com/office/drawing/2014/main" id="{7A0173BC-9A46-493C-91C7-F12F86564493}"/>
+              </a:ext>
+            </a:extLst>
+          </p:cNvPr>
+          <p:cNvSpPr txBox="1"/>
+          <p:nvPr/>
+        </p:nvSpPr>
+        <p:spPr>
+          <a:xfrm>
+            <a:off x="2865443" y="1786920"/>
+            <a:ext cx="3413114" cy="1569660"/>
+          </a:xfrm>
+          <a:prstGeom prst="rect">
+            <a:avLst/>
+          </a:prstGeom>
+          <a:noFill/>
+        </p:spPr>
+        <p:txBody>
+          <a:bodyPr wrap="none" rtlCol="0">
+            <a:spAutoFit/>
+          </a:bodyPr>
+          <a:lstStyle/>
+          <a:p>
+            <a:r>
+              <a:rPr lang="en-US" sz="9600" dirty="0"/>
+              <a:t>DEMO</a:t>
+            </a:r>
+            <a:endParaRPr lang="pt-BR" sz="9600" dirty="0"/>
+          </a:p>
+        </p:txBody>
+      </p:sp>
     </p:spTree>
     <p:extLst>
       <p:ext uri="{BB962C8B-B14F-4D97-AF65-F5344CB8AC3E}">
